--- a/test_files/test_1.pptx
+++ b/test_files/test_1.pptx
@@ -165,10 +165,9 @@
           </a:lstStyle>
           <a:p>
             <a:r>
-              <a:rPr lang="zh-CN" altLang="en-US" smtClean="0"/>
+              <a:rPr lang="zh-CN" altLang="en-US"/>
               <a:t>单击此处编辑母版标题样式</a:t>
             </a:r>
-            <a:endParaRPr lang="zh-CN" altLang="en-US"/>
           </a:p>
         </p:txBody>
       </p:sp>
@@ -230,10 +229,9 @@
           </a:lstStyle>
           <a:p>
             <a:r>
-              <a:rPr lang="zh-CN" altLang="en-US" smtClean="0"/>
+              <a:rPr lang="zh-CN" altLang="en-US"/>
               <a:t>单击以编辑母版副标题样式</a:t>
             </a:r>
-            <a:endParaRPr lang="zh-CN" altLang="en-US"/>
           </a:p>
         </p:txBody>
       </p:sp>
@@ -348,10 +346,9 @@
           <a:lstStyle/>
           <a:p>
             <a:r>
-              <a:rPr lang="zh-CN" altLang="en-US" smtClean="0"/>
+              <a:rPr lang="zh-CN" altLang="en-US"/>
               <a:t>单击此处编辑母版标题样式</a:t>
             </a:r>
-            <a:endParaRPr lang="zh-CN" altLang="en-US"/>
           </a:p>
         </p:txBody>
       </p:sp>
@@ -372,38 +369,37 @@
           <a:p>
             <a:pPr lvl="0"/>
             <a:r>
-              <a:rPr lang="zh-CN" altLang="en-US" smtClean="0"/>
+              <a:rPr lang="zh-CN" altLang="en-US"/>
               <a:t>编辑母版文本样式</a:t>
             </a:r>
           </a:p>
           <a:p>
             <a:pPr lvl="1"/>
             <a:r>
-              <a:rPr lang="zh-CN" altLang="en-US" smtClean="0"/>
+              <a:rPr lang="zh-CN" altLang="en-US"/>
               <a:t>第二级</a:t>
             </a:r>
           </a:p>
           <a:p>
             <a:pPr lvl="2"/>
             <a:r>
-              <a:rPr lang="zh-CN" altLang="en-US" smtClean="0"/>
+              <a:rPr lang="zh-CN" altLang="en-US"/>
               <a:t>第三级</a:t>
             </a:r>
           </a:p>
           <a:p>
             <a:pPr lvl="3"/>
             <a:r>
-              <a:rPr lang="zh-CN" altLang="en-US" smtClean="0"/>
+              <a:rPr lang="zh-CN" altLang="en-US"/>
               <a:t>第四级</a:t>
             </a:r>
           </a:p>
           <a:p>
             <a:pPr lvl="4"/>
             <a:r>
-              <a:rPr lang="zh-CN" altLang="en-US" smtClean="0"/>
+              <a:rPr lang="zh-CN" altLang="en-US"/>
               <a:t>第五级</a:t>
             </a:r>
-            <a:endParaRPr lang="zh-CN" altLang="en-US"/>
           </a:p>
         </p:txBody>
       </p:sp>
@@ -523,10 +519,9 @@
           <a:lstStyle/>
           <a:p>
             <a:r>
-              <a:rPr lang="zh-CN" altLang="en-US" smtClean="0"/>
+              <a:rPr lang="zh-CN" altLang="en-US"/>
               <a:t>单击此处编辑母版标题样式</a:t>
             </a:r>
-            <a:endParaRPr lang="zh-CN" altLang="en-US"/>
           </a:p>
         </p:txBody>
       </p:sp>
@@ -552,38 +547,37 @@
           <a:p>
             <a:pPr lvl="0"/>
             <a:r>
-              <a:rPr lang="zh-CN" altLang="en-US" smtClean="0"/>
+              <a:rPr lang="zh-CN" altLang="en-US"/>
               <a:t>编辑母版文本样式</a:t>
             </a:r>
           </a:p>
           <a:p>
             <a:pPr lvl="1"/>
             <a:r>
-              <a:rPr lang="zh-CN" altLang="en-US" smtClean="0"/>
+              <a:rPr lang="zh-CN" altLang="en-US"/>
               <a:t>第二级</a:t>
             </a:r>
           </a:p>
           <a:p>
             <a:pPr lvl="2"/>
             <a:r>
-              <a:rPr lang="zh-CN" altLang="en-US" smtClean="0"/>
+              <a:rPr lang="zh-CN" altLang="en-US"/>
               <a:t>第三级</a:t>
             </a:r>
           </a:p>
           <a:p>
             <a:pPr lvl="3"/>
             <a:r>
-              <a:rPr lang="zh-CN" altLang="en-US" smtClean="0"/>
+              <a:rPr lang="zh-CN" altLang="en-US"/>
               <a:t>第四级</a:t>
             </a:r>
           </a:p>
           <a:p>
             <a:pPr lvl="4"/>
             <a:r>
-              <a:rPr lang="zh-CN" altLang="en-US" smtClean="0"/>
+              <a:rPr lang="zh-CN" altLang="en-US"/>
               <a:t>第五级</a:t>
             </a:r>
-            <a:endParaRPr lang="zh-CN" altLang="en-US"/>
           </a:p>
         </p:txBody>
       </p:sp>
@@ -698,10 +692,9 @@
           <a:lstStyle/>
           <a:p>
             <a:r>
-              <a:rPr lang="zh-CN" altLang="en-US" smtClean="0"/>
+              <a:rPr lang="zh-CN" altLang="en-US"/>
               <a:t>单击此处编辑母版标题样式</a:t>
             </a:r>
-            <a:endParaRPr lang="zh-CN" altLang="en-US"/>
           </a:p>
         </p:txBody>
       </p:sp>
@@ -722,38 +715,37 @@
           <a:p>
             <a:pPr lvl="0"/>
             <a:r>
-              <a:rPr lang="zh-CN" altLang="en-US" smtClean="0"/>
+              <a:rPr lang="zh-CN" altLang="en-US"/>
               <a:t>编辑母版文本样式</a:t>
             </a:r>
           </a:p>
           <a:p>
             <a:pPr lvl="1"/>
             <a:r>
-              <a:rPr lang="zh-CN" altLang="en-US" smtClean="0"/>
+              <a:rPr lang="zh-CN" altLang="en-US"/>
               <a:t>第二级</a:t>
             </a:r>
           </a:p>
           <a:p>
             <a:pPr lvl="2"/>
             <a:r>
-              <a:rPr lang="zh-CN" altLang="en-US" smtClean="0"/>
+              <a:rPr lang="zh-CN" altLang="en-US"/>
               <a:t>第三级</a:t>
             </a:r>
           </a:p>
           <a:p>
             <a:pPr lvl="3"/>
             <a:r>
-              <a:rPr lang="zh-CN" altLang="en-US" smtClean="0"/>
+              <a:rPr lang="zh-CN" altLang="en-US"/>
               <a:t>第四级</a:t>
             </a:r>
           </a:p>
           <a:p>
             <a:pPr lvl="4"/>
             <a:r>
-              <a:rPr lang="zh-CN" altLang="en-US" smtClean="0"/>
+              <a:rPr lang="zh-CN" altLang="en-US"/>
               <a:t>第五级</a:t>
             </a:r>
-            <a:endParaRPr lang="zh-CN" altLang="en-US"/>
           </a:p>
         </p:txBody>
       </p:sp>
@@ -877,10 +869,9 @@
           </a:lstStyle>
           <a:p>
             <a:r>
-              <a:rPr lang="zh-CN" altLang="en-US" smtClean="0"/>
+              <a:rPr lang="zh-CN" altLang="en-US"/>
               <a:t>单击此处编辑母版标题样式</a:t>
             </a:r>
-            <a:endParaRPr lang="zh-CN" altLang="en-US"/>
           </a:p>
         </p:txBody>
       </p:sp>
@@ -997,7 +988,7 @@
           <a:p>
             <a:pPr lvl="0"/>
             <a:r>
-              <a:rPr lang="zh-CN" altLang="en-US" smtClean="0"/>
+              <a:rPr lang="zh-CN" altLang="en-US"/>
               <a:t>编辑母版文本样式</a:t>
             </a:r>
           </a:p>
@@ -1114,10 +1105,9 @@
           <a:lstStyle/>
           <a:p>
             <a:r>
-              <a:rPr lang="zh-CN" altLang="en-US" smtClean="0"/>
+              <a:rPr lang="zh-CN" altLang="en-US"/>
               <a:t>单击此处编辑母版标题样式</a:t>
             </a:r>
-            <a:endParaRPr lang="zh-CN" altLang="en-US"/>
           </a:p>
         </p:txBody>
       </p:sp>
@@ -1143,38 +1133,37 @@
           <a:p>
             <a:pPr lvl="0"/>
             <a:r>
-              <a:rPr lang="zh-CN" altLang="en-US" smtClean="0"/>
+              <a:rPr lang="zh-CN" altLang="en-US"/>
               <a:t>编辑母版文本样式</a:t>
             </a:r>
           </a:p>
           <a:p>
             <a:pPr lvl="1"/>
             <a:r>
-              <a:rPr lang="zh-CN" altLang="en-US" smtClean="0"/>
+              <a:rPr lang="zh-CN" altLang="en-US"/>
               <a:t>第二级</a:t>
             </a:r>
           </a:p>
           <a:p>
             <a:pPr lvl="2"/>
             <a:r>
-              <a:rPr lang="zh-CN" altLang="en-US" smtClean="0"/>
+              <a:rPr lang="zh-CN" altLang="en-US"/>
               <a:t>第三级</a:t>
             </a:r>
           </a:p>
           <a:p>
             <a:pPr lvl="3"/>
             <a:r>
-              <a:rPr lang="zh-CN" altLang="en-US" smtClean="0"/>
+              <a:rPr lang="zh-CN" altLang="en-US"/>
               <a:t>第四级</a:t>
             </a:r>
           </a:p>
           <a:p>
             <a:pPr lvl="4"/>
             <a:r>
-              <a:rPr lang="zh-CN" altLang="en-US" smtClean="0"/>
+              <a:rPr lang="zh-CN" altLang="en-US"/>
               <a:t>第五级</a:t>
             </a:r>
-            <a:endParaRPr lang="zh-CN" altLang="en-US"/>
           </a:p>
         </p:txBody>
       </p:sp>
@@ -1200,38 +1189,37 @@
           <a:p>
             <a:pPr lvl="0"/>
             <a:r>
-              <a:rPr lang="zh-CN" altLang="en-US" smtClean="0"/>
+              <a:rPr lang="zh-CN" altLang="en-US"/>
               <a:t>编辑母版文本样式</a:t>
             </a:r>
           </a:p>
           <a:p>
             <a:pPr lvl="1"/>
             <a:r>
-              <a:rPr lang="zh-CN" altLang="en-US" smtClean="0"/>
+              <a:rPr lang="zh-CN" altLang="en-US"/>
               <a:t>第二级</a:t>
             </a:r>
           </a:p>
           <a:p>
             <a:pPr lvl="2"/>
             <a:r>
-              <a:rPr lang="zh-CN" altLang="en-US" smtClean="0"/>
+              <a:rPr lang="zh-CN" altLang="en-US"/>
               <a:t>第三级</a:t>
             </a:r>
           </a:p>
           <a:p>
             <a:pPr lvl="3"/>
             <a:r>
-              <a:rPr lang="zh-CN" altLang="en-US" smtClean="0"/>
+              <a:rPr lang="zh-CN" altLang="en-US"/>
               <a:t>第四级</a:t>
             </a:r>
           </a:p>
           <a:p>
             <a:pPr lvl="4"/>
             <a:r>
-              <a:rPr lang="zh-CN" altLang="en-US" smtClean="0"/>
+              <a:rPr lang="zh-CN" altLang="en-US"/>
               <a:t>第五级</a:t>
             </a:r>
-            <a:endParaRPr lang="zh-CN" altLang="en-US"/>
           </a:p>
         </p:txBody>
       </p:sp>
@@ -1351,10 +1339,9 @@
           <a:lstStyle/>
           <a:p>
             <a:r>
-              <a:rPr lang="zh-CN" altLang="en-US" smtClean="0"/>
+              <a:rPr lang="zh-CN" altLang="en-US"/>
               <a:t>单击此处编辑母版标题样式</a:t>
             </a:r>
-            <a:endParaRPr lang="zh-CN" altLang="en-US"/>
           </a:p>
         </p:txBody>
       </p:sp>
@@ -1417,7 +1404,7 @@
           <a:p>
             <a:pPr lvl="0"/>
             <a:r>
-              <a:rPr lang="zh-CN" altLang="en-US" smtClean="0"/>
+              <a:rPr lang="zh-CN" altLang="en-US"/>
               <a:t>编辑母版文本样式</a:t>
             </a:r>
           </a:p>
@@ -1445,38 +1432,37 @@
           <a:p>
             <a:pPr lvl="0"/>
             <a:r>
-              <a:rPr lang="zh-CN" altLang="en-US" smtClean="0"/>
+              <a:rPr lang="zh-CN" altLang="en-US"/>
               <a:t>编辑母版文本样式</a:t>
             </a:r>
           </a:p>
           <a:p>
             <a:pPr lvl="1"/>
             <a:r>
-              <a:rPr lang="zh-CN" altLang="en-US" smtClean="0"/>
+              <a:rPr lang="zh-CN" altLang="en-US"/>
               <a:t>第二级</a:t>
             </a:r>
           </a:p>
           <a:p>
             <a:pPr lvl="2"/>
             <a:r>
-              <a:rPr lang="zh-CN" altLang="en-US" smtClean="0"/>
+              <a:rPr lang="zh-CN" altLang="en-US"/>
               <a:t>第三级</a:t>
             </a:r>
           </a:p>
           <a:p>
             <a:pPr lvl="3"/>
             <a:r>
-              <a:rPr lang="zh-CN" altLang="en-US" smtClean="0"/>
+              <a:rPr lang="zh-CN" altLang="en-US"/>
               <a:t>第四级</a:t>
             </a:r>
           </a:p>
           <a:p>
             <a:pPr lvl="4"/>
             <a:r>
-              <a:rPr lang="zh-CN" altLang="en-US" smtClean="0"/>
+              <a:rPr lang="zh-CN" altLang="en-US"/>
               <a:t>第五级</a:t>
             </a:r>
-            <a:endParaRPr lang="zh-CN" altLang="en-US"/>
           </a:p>
         </p:txBody>
       </p:sp>
@@ -1539,7 +1525,7 @@
           <a:p>
             <a:pPr lvl="0"/>
             <a:r>
-              <a:rPr lang="zh-CN" altLang="en-US" smtClean="0"/>
+              <a:rPr lang="zh-CN" altLang="en-US"/>
               <a:t>编辑母版文本样式</a:t>
             </a:r>
           </a:p>
@@ -1567,38 +1553,37 @@
           <a:p>
             <a:pPr lvl="0"/>
             <a:r>
-              <a:rPr lang="zh-CN" altLang="en-US" smtClean="0"/>
+              <a:rPr lang="zh-CN" altLang="en-US"/>
               <a:t>编辑母版文本样式</a:t>
             </a:r>
           </a:p>
           <a:p>
             <a:pPr lvl="1"/>
             <a:r>
-              <a:rPr lang="zh-CN" altLang="en-US" smtClean="0"/>
+              <a:rPr lang="zh-CN" altLang="en-US"/>
               <a:t>第二级</a:t>
             </a:r>
           </a:p>
           <a:p>
             <a:pPr lvl="2"/>
             <a:r>
-              <a:rPr lang="zh-CN" altLang="en-US" smtClean="0"/>
+              <a:rPr lang="zh-CN" altLang="en-US"/>
               <a:t>第三级</a:t>
             </a:r>
           </a:p>
           <a:p>
             <a:pPr lvl="3"/>
             <a:r>
-              <a:rPr lang="zh-CN" altLang="en-US" smtClean="0"/>
+              <a:rPr lang="zh-CN" altLang="en-US"/>
               <a:t>第四级</a:t>
             </a:r>
           </a:p>
           <a:p>
             <a:pPr lvl="4"/>
             <a:r>
-              <a:rPr lang="zh-CN" altLang="en-US" smtClean="0"/>
+              <a:rPr lang="zh-CN" altLang="en-US"/>
               <a:t>第五级</a:t>
             </a:r>
-            <a:endParaRPr lang="zh-CN" altLang="en-US"/>
           </a:p>
         </p:txBody>
       </p:sp>
@@ -1713,10 +1698,9 @@
           <a:lstStyle/>
           <a:p>
             <a:r>
-              <a:rPr lang="zh-CN" altLang="en-US" smtClean="0"/>
+              <a:rPr lang="zh-CN" altLang="en-US"/>
               <a:t>单击此处编辑母版标题样式</a:t>
             </a:r>
-            <a:endParaRPr lang="zh-CN" altLang="en-US"/>
           </a:p>
         </p:txBody>
       </p:sp>
@@ -1935,10 +1919,9 @@
           </a:lstStyle>
           <a:p>
             <a:r>
-              <a:rPr lang="zh-CN" altLang="en-US" smtClean="0"/>
+              <a:rPr lang="zh-CN" altLang="en-US"/>
               <a:t>单击此处编辑母版标题样式</a:t>
             </a:r>
-            <a:endParaRPr lang="zh-CN" altLang="en-US"/>
           </a:p>
         </p:txBody>
       </p:sp>
@@ -1992,38 +1975,37 @@
           <a:p>
             <a:pPr lvl="0"/>
             <a:r>
-              <a:rPr lang="zh-CN" altLang="en-US" smtClean="0"/>
+              <a:rPr lang="zh-CN" altLang="en-US"/>
               <a:t>编辑母版文本样式</a:t>
             </a:r>
           </a:p>
           <a:p>
             <a:pPr lvl="1"/>
             <a:r>
-              <a:rPr lang="zh-CN" altLang="en-US" smtClean="0"/>
+              <a:rPr lang="zh-CN" altLang="en-US"/>
               <a:t>第二级</a:t>
             </a:r>
           </a:p>
           <a:p>
             <a:pPr lvl="2"/>
             <a:r>
-              <a:rPr lang="zh-CN" altLang="en-US" smtClean="0"/>
+              <a:rPr lang="zh-CN" altLang="en-US"/>
               <a:t>第三级</a:t>
             </a:r>
           </a:p>
           <a:p>
             <a:pPr lvl="3"/>
             <a:r>
-              <a:rPr lang="zh-CN" altLang="en-US" smtClean="0"/>
+              <a:rPr lang="zh-CN" altLang="en-US"/>
               <a:t>第四级</a:t>
             </a:r>
           </a:p>
           <a:p>
             <a:pPr lvl="4"/>
             <a:r>
-              <a:rPr lang="zh-CN" altLang="en-US" smtClean="0"/>
+              <a:rPr lang="zh-CN" altLang="en-US"/>
               <a:t>第五级</a:t>
             </a:r>
-            <a:endParaRPr lang="zh-CN" altLang="en-US"/>
           </a:p>
         </p:txBody>
       </p:sp>
@@ -2086,7 +2068,7 @@
           <a:p>
             <a:pPr lvl="0"/>
             <a:r>
-              <a:rPr lang="zh-CN" altLang="en-US" smtClean="0"/>
+              <a:rPr lang="zh-CN" altLang="en-US"/>
               <a:t>编辑母版文本样式</a:t>
             </a:r>
           </a:p>
@@ -2212,10 +2194,9 @@
           </a:lstStyle>
           <a:p>
             <a:r>
-              <a:rPr lang="zh-CN" altLang="en-US" smtClean="0"/>
+              <a:rPr lang="zh-CN" altLang="en-US"/>
               <a:t>单击此处编辑母版标题样式</a:t>
             </a:r>
-            <a:endParaRPr lang="zh-CN" altLang="en-US"/>
           </a:p>
         </p:txBody>
       </p:sp>
@@ -2339,7 +2320,7 @@
           <a:p>
             <a:pPr lvl="0"/>
             <a:r>
-              <a:rPr lang="zh-CN" altLang="en-US" smtClean="0"/>
+              <a:rPr lang="zh-CN" altLang="en-US"/>
               <a:t>编辑母版文本样式</a:t>
             </a:r>
           </a:p>
@@ -2471,10 +2452,9 @@
           <a:lstStyle/>
           <a:p>
             <a:r>
-              <a:rPr lang="zh-CN" altLang="en-US" smtClean="0"/>
+              <a:rPr lang="zh-CN" altLang="en-US"/>
               <a:t>单击此处编辑母版标题样式</a:t>
             </a:r>
-            <a:endParaRPr lang="zh-CN" altLang="en-US"/>
           </a:p>
         </p:txBody>
       </p:sp>
@@ -2505,38 +2485,37 @@
           <a:p>
             <a:pPr lvl="0"/>
             <a:r>
-              <a:rPr lang="zh-CN" altLang="en-US" smtClean="0"/>
+              <a:rPr lang="zh-CN" altLang="en-US"/>
               <a:t>编辑母版文本样式</a:t>
             </a:r>
           </a:p>
           <a:p>
             <a:pPr lvl="1"/>
             <a:r>
-              <a:rPr lang="zh-CN" altLang="en-US" smtClean="0"/>
+              <a:rPr lang="zh-CN" altLang="en-US"/>
               <a:t>第二级</a:t>
             </a:r>
           </a:p>
           <a:p>
             <a:pPr lvl="2"/>
             <a:r>
-              <a:rPr lang="zh-CN" altLang="en-US" smtClean="0"/>
+              <a:rPr lang="zh-CN" altLang="en-US"/>
               <a:t>第三级</a:t>
             </a:r>
           </a:p>
           <a:p>
             <a:pPr lvl="3"/>
             <a:r>
-              <a:rPr lang="zh-CN" altLang="en-US" smtClean="0"/>
+              <a:rPr lang="zh-CN" altLang="en-US"/>
               <a:t>第四级</a:t>
             </a:r>
           </a:p>
           <a:p>
             <a:pPr lvl="4"/>
             <a:r>
-              <a:rPr lang="zh-CN" altLang="en-US" smtClean="0"/>
+              <a:rPr lang="zh-CN" altLang="en-US"/>
               <a:t>第五级</a:t>
             </a:r>
-            <a:endParaRPr lang="zh-CN" altLang="en-US"/>
           </a:p>
         </p:txBody>
       </p:sp>
@@ -3034,10 +3013,9 @@
                     <a:lstStyle/>
                     <a:p>
                       <a:r>
-                        <a:rPr lang="zh-CN" altLang="en-US" dirty="0" smtClean="0"/>
+                        <a:rPr lang="zh-CN" altLang="en-US" dirty="0"/>
                         <a:t>神鼎飞丹砂所发生的</a:t>
                       </a:r>
-                      <a:endParaRPr lang="zh-CN" altLang="en-US" dirty="0"/>
                     </a:p>
                   </a:txBody>
                   <a:tcPr/>
@@ -3048,10 +3026,9 @@
                     <a:lstStyle/>
                     <a:p>
                       <a:r>
-                        <a:rPr lang="zh-CN" altLang="en-US" dirty="0" smtClean="0"/>
+                        <a:rPr lang="zh-CN" altLang="en-US" dirty="0"/>
                         <a:t>手动阀</a:t>
                       </a:r>
-                      <a:endParaRPr lang="zh-CN" altLang="en-US" dirty="0"/>
                     </a:p>
                   </a:txBody>
                   <a:tcPr/>
@@ -3062,10 +3039,9 @@
                     <a:lstStyle/>
                     <a:p>
                       <a:r>
-                        <a:rPr lang="zh-CN" altLang="en-US" dirty="0" smtClean="0"/>
+                        <a:rPr lang="zh-CN" altLang="en-US" dirty="0"/>
                         <a:t>胜多负少</a:t>
                       </a:r>
-                      <a:endParaRPr lang="zh-CN" altLang="en-US" dirty="0"/>
                     </a:p>
                   </a:txBody>
                   <a:tcPr/>
@@ -3083,10 +3059,9 @@
                     <a:lstStyle/>
                     <a:p>
                       <a:r>
-                        <a:rPr lang="zh-CN" altLang="en-US" dirty="0" smtClean="0"/>
+                        <a:rPr lang="zh-CN" altLang="en-US" dirty="0"/>
                         <a:t>地方</a:t>
                       </a:r>
-                      <a:endParaRPr lang="zh-CN" altLang="en-US" dirty="0"/>
                     </a:p>
                   </a:txBody>
                   <a:tcPr/>
@@ -3097,10 +3072,9 @@
                     <a:lstStyle/>
                     <a:p>
                       <a:r>
-                        <a:rPr lang="zh-CN" altLang="en-US" dirty="0" smtClean="0"/>
+                        <a:rPr lang="zh-CN" altLang="en-US" dirty="0"/>
                         <a:t>手动阀</a:t>
                       </a:r>
-                      <a:endParaRPr lang="zh-CN" altLang="en-US" dirty="0"/>
                     </a:p>
                   </a:txBody>
                   <a:tcPr/>
@@ -3111,10 +3085,9 @@
                     <a:lstStyle/>
                     <a:p>
                       <a:r>
-                        <a:rPr lang="zh-CN" altLang="en-US" dirty="0" smtClean="0"/>
+                        <a:rPr lang="zh-CN" altLang="en-US" dirty="0"/>
                         <a:t>手动阀</a:t>
                       </a:r>
-                      <a:endParaRPr lang="zh-CN" altLang="en-US" dirty="0"/>
                     </a:p>
                   </a:txBody>
                   <a:tcPr/>
@@ -3132,10 +3105,9 @@
                     <a:lstStyle/>
                     <a:p>
                       <a:r>
-                        <a:rPr lang="zh-CN" altLang="en-US" dirty="0" smtClean="0"/>
+                        <a:rPr lang="zh-CN" altLang="en-US" dirty="0"/>
                         <a:t>第三方</a:t>
                       </a:r>
-                      <a:endParaRPr lang="zh-CN" altLang="en-US" dirty="0"/>
                     </a:p>
                   </a:txBody>
                   <a:tcPr/>
@@ -3146,10 +3118,9 @@
                     <a:lstStyle/>
                     <a:p>
                       <a:r>
-                        <a:rPr lang="zh-CN" altLang="en-US" dirty="0" smtClean="0"/>
+                        <a:rPr lang="zh-CN" altLang="en-US" dirty="0"/>
                         <a:t>手动阀</a:t>
                       </a:r>
-                      <a:endParaRPr lang="zh-CN" altLang="en-US" dirty="0"/>
                     </a:p>
                   </a:txBody>
                   <a:tcPr/>
@@ -3160,10 +3131,9 @@
                     <a:lstStyle/>
                     <a:p>
                       <a:r>
-                        <a:rPr lang="zh-CN" altLang="en-US" dirty="0" smtClean="0"/>
+                        <a:rPr lang="zh-CN" altLang="en-US" dirty="0"/>
                         <a:t>手动阀手动阀</a:t>
                       </a:r>
-                      <a:endParaRPr lang="zh-CN" altLang="en-US" dirty="0"/>
                     </a:p>
                   </a:txBody>
                   <a:tcPr/>
@@ -3199,18 +3169,8 @@
           </a:bodyPr>
           <a:lstStyle/>
           <a:p>
-            <a:r>
-              <a:rPr lang="zh-CN" altLang="en-US" b="0" dirty="0" smtClean="0">
-                <a:solidFill>
-                  <a:srgbClr val="FFFFFF"/>
-                </a:solidFill>
-                <a:effectLst/>
-                <a:latin typeface="Fira Code" panose="020B0809050000020004" pitchFamily="49" charset="0"/>
-              </a:rPr>
-              <a:t/>
-            </a:r>
             <a:br>
-              <a:rPr lang="zh-CN" altLang="en-US" b="0" dirty="0" smtClean="0">
+              <a:rPr lang="zh-CN" altLang="en-US" b="0" dirty="0">
                 <a:solidFill>
                   <a:srgbClr val="FFFFFF"/>
                 </a:solidFill>
@@ -3228,9 +3188,44 @@
           </a:p>
         </p:txBody>
       </p:sp>
+      <p:sp>
+        <p:nvSpPr>
+          <p:cNvPr id="7" name="文本框 6"/>
+          <p:cNvSpPr txBox="1"/>
+          <p:nvPr/>
+        </p:nvSpPr>
+        <p:spPr>
+          <a:xfrm>
+            <a:off x="1959429" y="1088571"/>
+            <a:ext cx="1800493" cy="369332"/>
+          </a:xfrm>
+          <a:prstGeom prst="rect">
+            <a:avLst/>
+          </a:prstGeom>
+          <a:noFill/>
+        </p:spPr>
+        <p:txBody>
+          <a:bodyPr wrap="none" rtlCol="0">
+            <a:spAutoFit/>
+          </a:bodyPr>
+          <a:lstStyle/>
+          <a:p>
+            <a:r>
+              <a:rPr lang="zh-CN" altLang="en-US" dirty="0"/>
+              <a:t>这是一个文本框</a:t>
+            </a:r>
+          </a:p>
+        </p:txBody>
+      </p:sp>
       <p:pic>
         <p:nvPicPr>
-          <p:cNvPr id="6" name="图片 5"/>
+          <p:cNvPr id="2" name="图片 1">
+            <a:extLst>
+              <a:ext uri="{FF2B5EF4-FFF2-40B4-BE49-F238E27FC236}">
+                <a16:creationId xmlns:a16="http://schemas.microsoft.com/office/drawing/2014/main" id="{DD5C1D00-84CA-1A7C-A816-17719F3A0C64}"/>
+              </a:ext>
+            </a:extLst>
+          </p:cNvPr>
           <p:cNvPicPr>
             <a:picLocks noChangeAspect="1"/>
           </p:cNvPicPr>
@@ -3244,44 +3239,14 @@
         </p:blipFill>
         <p:spPr>
           <a:xfrm>
-            <a:off x="4199618" y="2260733"/>
-            <a:ext cx="3647619" cy="2133333"/>
+            <a:off x="3759922" y="1755131"/>
+            <a:ext cx="4394200" cy="2476500"/>
           </a:xfrm>
           <a:prstGeom prst="rect">
             <a:avLst/>
           </a:prstGeom>
         </p:spPr>
       </p:pic>
-      <p:sp>
-        <p:nvSpPr>
-          <p:cNvPr id="7" name="文本框 6"/>
-          <p:cNvSpPr txBox="1"/>
-          <p:nvPr/>
-        </p:nvSpPr>
-        <p:spPr>
-          <a:xfrm>
-            <a:off x="1959429" y="1088571"/>
-            <a:ext cx="1800493" cy="369332"/>
-          </a:xfrm>
-          <a:prstGeom prst="rect">
-            <a:avLst/>
-          </a:prstGeom>
-          <a:noFill/>
-        </p:spPr>
-        <p:txBody>
-          <a:bodyPr wrap="none" rtlCol="0">
-            <a:spAutoFit/>
-          </a:bodyPr>
-          <a:lstStyle/>
-          <a:p>
-            <a:r>
-              <a:rPr lang="zh-CN" altLang="en-US" dirty="0" smtClean="0"/>
-              <a:t>这是一个文本框</a:t>
-            </a:r>
-            <a:endParaRPr lang="zh-CN" altLang="en-US" dirty="0"/>
-          </a:p>
-        </p:txBody>
-      </p:sp>
     </p:spTree>
     <p:extLst>
       <p:ext uri="{BB962C8B-B14F-4D97-AF65-F5344CB8AC3E}">
